--- a/images/experiments/SureChEMBL.pptx
+++ b/images/experiments/SureChEMBL.pptx
@@ -177,7 +177,7 @@
                   <c:v>Gleichheit</c:v>
                 </c:pt>
                 <c:pt idx="1">
-                  <c:v>Schitt</c:v>
+                  <c:v>Schnitt</c:v>
                 </c:pt>
                 <c:pt idx="2">
                   <c:v>Untermenge</c:v>
@@ -239,7 +239,7 @@
                   <c:v>Gleichheit</c:v>
                 </c:pt>
                 <c:pt idx="1">
-                  <c:v>Schitt</c:v>
+                  <c:v>Schnitt</c:v>
                 </c:pt>
                 <c:pt idx="2">
                   <c:v>Untermenge</c:v>
@@ -301,7 +301,7 @@
                   <c:v>Gleichheit</c:v>
                 </c:pt>
                 <c:pt idx="1">
-                  <c:v>Schitt</c:v>
+                  <c:v>Schnitt</c:v>
                 </c:pt>
                 <c:pt idx="2">
                   <c:v>Untermenge</c:v>
@@ -363,7 +363,7 @@
                   <c:v>Gleichheit</c:v>
                 </c:pt>
                 <c:pt idx="1">
-                  <c:v>Schitt</c:v>
+                  <c:v>Schnitt</c:v>
                 </c:pt>
                 <c:pt idx="2">
                   <c:v>Untermenge</c:v>
@@ -425,7 +425,7 @@
                   <c:v>Gleichheit</c:v>
                 </c:pt>
                 <c:pt idx="1">
-                  <c:v>Schitt</c:v>
+                  <c:v>Schnitt</c:v>
                 </c:pt>
                 <c:pt idx="2">
                   <c:v>Untermenge</c:v>
@@ -487,7 +487,7 @@
                   <c:v>Gleichheit</c:v>
                 </c:pt>
                 <c:pt idx="1">
-                  <c:v>Schitt</c:v>
+                  <c:v>Schnitt</c:v>
                 </c:pt>
                 <c:pt idx="2">
                   <c:v>Untermenge</c:v>
@@ -551,7 +551,7 @@
                   <c:v>Gleichheit</c:v>
                 </c:pt>
                 <c:pt idx="1">
-                  <c:v>Schitt</c:v>
+                  <c:v>Schnitt</c:v>
                 </c:pt>
                 <c:pt idx="2">
                   <c:v>Untermenge</c:v>
@@ -594,11 +594,11 @@
         </c:dLbls>
         <c:gapWidth val="150"/>
         <c:overlap val="100"/>
-        <c:axId val="2130787880"/>
-        <c:axId val="2124363448"/>
+        <c:axId val="2138498536"/>
+        <c:axId val="2138501304"/>
       </c:barChart>
       <c:catAx>
-        <c:axId val="2130787880"/>
+        <c:axId val="2138498536"/>
         <c:scaling>
           <c:orientation val="minMax"/>
         </c:scaling>
@@ -607,7 +607,7 @@
         <c:majorTickMark val="out"/>
         <c:minorTickMark val="none"/>
         <c:tickLblPos val="nextTo"/>
-        <c:crossAx val="2124363448"/>
+        <c:crossAx val="2138501304"/>
         <c:crosses val="autoZero"/>
         <c:auto val="1"/>
         <c:lblAlgn val="ctr"/>
@@ -615,7 +615,7 @@
         <c:noMultiLvlLbl val="0"/>
       </c:catAx>
       <c:valAx>
-        <c:axId val="2124363448"/>
+        <c:axId val="2138501304"/>
         <c:scaling>
           <c:orientation val="minMax"/>
           <c:max val="300.0"/>
@@ -627,7 +627,7 @@
         <c:majorTickMark val="out"/>
         <c:minorTickMark val="none"/>
         <c:tickLblPos val="nextTo"/>
-        <c:crossAx val="2130787880"/>
+        <c:crossAx val="2138498536"/>
         <c:crosses val="autoZero"/>
         <c:crossBetween val="between"/>
       </c:valAx>
@@ -833,7 +833,7 @@
           <a:p>
             <a:fld id="{A972536A-5780-CD44-AC5B-9A18C78526C7}" type="datetimeFigureOut">
               <a:rPr lang="de-DE" smtClean="0"/>
-              <a:t>18.10.15</a:t>
+              <a:t>27.10.15</a:t>
             </a:fld>
             <a:endParaRPr lang="de-DE"/>
           </a:p>
@@ -1003,7 +1003,7 @@
           <a:p>
             <a:fld id="{A972536A-5780-CD44-AC5B-9A18C78526C7}" type="datetimeFigureOut">
               <a:rPr lang="de-DE" smtClean="0"/>
-              <a:t>18.10.15</a:t>
+              <a:t>27.10.15</a:t>
             </a:fld>
             <a:endParaRPr lang="de-DE"/>
           </a:p>
@@ -1183,7 +1183,7 @@
           <a:p>
             <a:fld id="{A972536A-5780-CD44-AC5B-9A18C78526C7}" type="datetimeFigureOut">
               <a:rPr lang="de-DE" smtClean="0"/>
-              <a:t>18.10.15</a:t>
+              <a:t>27.10.15</a:t>
             </a:fld>
             <a:endParaRPr lang="de-DE"/>
           </a:p>
@@ -1353,7 +1353,7 @@
           <a:p>
             <a:fld id="{A972536A-5780-CD44-AC5B-9A18C78526C7}" type="datetimeFigureOut">
               <a:rPr lang="de-DE" smtClean="0"/>
-              <a:t>18.10.15</a:t>
+              <a:t>27.10.15</a:t>
             </a:fld>
             <a:endParaRPr lang="de-DE"/>
           </a:p>
@@ -1599,7 +1599,7 @@
           <a:p>
             <a:fld id="{A972536A-5780-CD44-AC5B-9A18C78526C7}" type="datetimeFigureOut">
               <a:rPr lang="de-DE" smtClean="0"/>
-              <a:t>18.10.15</a:t>
+              <a:t>27.10.15</a:t>
             </a:fld>
             <a:endParaRPr lang="de-DE"/>
           </a:p>
@@ -1887,7 +1887,7 @@
           <a:p>
             <a:fld id="{A972536A-5780-CD44-AC5B-9A18C78526C7}" type="datetimeFigureOut">
               <a:rPr lang="de-DE" smtClean="0"/>
-              <a:t>18.10.15</a:t>
+              <a:t>27.10.15</a:t>
             </a:fld>
             <a:endParaRPr lang="de-DE"/>
           </a:p>
@@ -2314,7 +2314,7 @@
           <a:p>
             <a:fld id="{A972536A-5780-CD44-AC5B-9A18C78526C7}" type="datetimeFigureOut">
               <a:rPr lang="de-DE" smtClean="0"/>
-              <a:t>18.10.15</a:t>
+              <a:t>27.10.15</a:t>
             </a:fld>
             <a:endParaRPr lang="de-DE"/>
           </a:p>
@@ -2432,7 +2432,7 @@
           <a:p>
             <a:fld id="{A972536A-5780-CD44-AC5B-9A18C78526C7}" type="datetimeFigureOut">
               <a:rPr lang="de-DE" smtClean="0"/>
-              <a:t>18.10.15</a:t>
+              <a:t>27.10.15</a:t>
             </a:fld>
             <a:endParaRPr lang="de-DE"/>
           </a:p>
@@ -2527,7 +2527,7 @@
           <a:p>
             <a:fld id="{A972536A-5780-CD44-AC5B-9A18C78526C7}" type="datetimeFigureOut">
               <a:rPr lang="de-DE" smtClean="0"/>
-              <a:t>18.10.15</a:t>
+              <a:t>27.10.15</a:t>
             </a:fld>
             <a:endParaRPr lang="de-DE"/>
           </a:p>
@@ -2804,7 +2804,7 @@
           <a:p>
             <a:fld id="{A972536A-5780-CD44-AC5B-9A18C78526C7}" type="datetimeFigureOut">
               <a:rPr lang="de-DE" smtClean="0"/>
-              <a:t>18.10.15</a:t>
+              <a:t>27.10.15</a:t>
             </a:fld>
             <a:endParaRPr lang="de-DE"/>
           </a:p>
@@ -3057,7 +3057,7 @@
           <a:p>
             <a:fld id="{A972536A-5780-CD44-AC5B-9A18C78526C7}" type="datetimeFigureOut">
               <a:rPr lang="de-DE" smtClean="0"/>
-              <a:t>18.10.15</a:t>
+              <a:t>27.10.15</a:t>
             </a:fld>
             <a:endParaRPr lang="de-DE"/>
           </a:p>
@@ -3270,7 +3270,7 @@
           <a:p>
             <a:fld id="{A972536A-5780-CD44-AC5B-9A18C78526C7}" type="datetimeFigureOut">
               <a:rPr lang="de-DE" smtClean="0"/>
-              <a:t>18.10.15</a:t>
+              <a:t>27.10.15</a:t>
             </a:fld>
             <a:endParaRPr lang="de-DE"/>
           </a:p>
@@ -3652,7 +3652,7 @@
           <p:nvPr>
             <p:extLst>
               <p:ext uri="{D42A27DB-BD31-4B8C-83A1-F6EECF244321}">
-                <p14:modId xmlns:p14="http://schemas.microsoft.com/office/powerpoint/2010/main" val="3729600859"/>
+                <p14:modId xmlns:p14="http://schemas.microsoft.com/office/powerpoint/2010/main" val="4203704034"/>
               </p:ext>
             </p:extLst>
           </p:nvPr>
